--- a/docs/windows模板/Git入门学习.pptx
+++ b/docs/windows模板/Git入门学习.pptx
@@ -142,7 +142,7 @@
   </p:defaultTextStyle>
   <p:extLst>
     <p:ext uri="{EFAFB233-063F-42B5-8137-9DF3F51BA10A}">
-      <p15:sldGuideLst xmlns:p15="http://schemas.microsoft.com/office/powerpoint/2012/main" xmlns="">
+      <p15:sldGuideLst xmlns="" xmlns:p15="http://schemas.microsoft.com/office/powerpoint/2012/main">
         <p15:guide id="1" orient="horz" pos="2160">
           <p15:clr>
             <a:srgbClr val="A4A3A4"/>
@@ -161,7 +161,7 @@
       </p15:sldGuideLst>
     </p:ext>
     <p:ext uri="{2D200454-40CA-4A62-9FC3-DE9A4176ACB9}">
-      <p15:notesGuideLst xmlns:p15="http://schemas.microsoft.com/office/powerpoint/2012/main" xmlns="">
+      <p15:notesGuideLst xmlns="" xmlns:p15="http://schemas.microsoft.com/office/powerpoint/2012/main">
         <p15:guide id="1" orient="horz" pos="2880">
           <p15:clr>
             <a:srgbClr val="A4A3A4"/>
@@ -337,7 +337,7 @@
     </p:spTree>
     <p:extLst>
       <p:ext uri="{BB962C8B-B14F-4D97-AF65-F5344CB8AC3E}">
-        <p14:creationId xmlns:p14="http://schemas.microsoft.com/office/powerpoint/2010/main" xmlns="" val="516225429"/>
+        <p14:creationId xmlns="" xmlns:p14="http://schemas.microsoft.com/office/powerpoint/2010/main" val="516225429"/>
       </p:ext>
     </p:extLst>
   </p:cSld>
@@ -612,7 +612,7 @@
     </p:spTree>
     <p:extLst>
       <p:ext uri="{BB962C8B-B14F-4D97-AF65-F5344CB8AC3E}">
-        <p14:creationId xmlns:p14="http://schemas.microsoft.com/office/powerpoint/2010/main" xmlns="" val="1556669918"/>
+        <p14:creationId xmlns="" xmlns:p14="http://schemas.microsoft.com/office/powerpoint/2010/main" val="1556669918"/>
       </p:ext>
     </p:extLst>
   </p:cSld>
@@ -3383,7 +3383,7 @@
     </p:spTree>
     <p:extLst>
       <p:ext uri="{BB962C8B-B14F-4D97-AF65-F5344CB8AC3E}">
-        <p14:creationId xmlns:p14="http://schemas.microsoft.com/office/powerpoint/2010/main" xmlns="" val="3817955988"/>
+        <p14:creationId xmlns="" xmlns:p14="http://schemas.microsoft.com/office/powerpoint/2010/main" val="3817955988"/>
       </p:ext>
     </p:extLst>
   </p:cSld>
@@ -3391,7 +3391,7 @@
     <a:masterClrMapping/>
   </p:clrMapOvr>
   <mc:AlternateContent xmlns:mc="http://schemas.openxmlformats.org/markup-compatibility/2006">
-    <mc:Choice xmlns:p14="http://schemas.microsoft.com/office/powerpoint/2010/main" xmlns="" Requires="p14">
+    <mc:Choice xmlns="" xmlns:p14="http://schemas.microsoft.com/office/powerpoint/2010/main" Requires="p14">
       <p:transition spd="med" p14:dur="700">
         <p:fade/>
       </p:transition>
@@ -3588,7 +3588,7 @@
     </p:spTree>
     <p:extLst>
       <p:ext uri="{BB962C8B-B14F-4D97-AF65-F5344CB8AC3E}">
-        <p14:creationId xmlns:p14="http://schemas.microsoft.com/office/powerpoint/2010/main" xmlns="" val="2040880889"/>
+        <p14:creationId xmlns="" xmlns:p14="http://schemas.microsoft.com/office/powerpoint/2010/main" val="2040880889"/>
       </p:ext>
     </p:extLst>
   </p:cSld>
@@ -3596,7 +3596,7 @@
     <a:masterClrMapping/>
   </p:clrMapOvr>
   <mc:AlternateContent xmlns:mc="http://schemas.openxmlformats.org/markup-compatibility/2006">
-    <mc:Choice xmlns:p14="http://schemas.microsoft.com/office/powerpoint/2010/main" xmlns="" Requires="p14">
+    <mc:Choice xmlns="" xmlns:p14="http://schemas.microsoft.com/office/powerpoint/2010/main" Requires="p14">
       <p:transition spd="med" p14:dur="700">
         <p:fade/>
       </p:transition>
@@ -4188,7 +4188,7 @@
     </p:spTree>
     <p:extLst>
       <p:ext uri="{BB962C8B-B14F-4D97-AF65-F5344CB8AC3E}">
-        <p14:creationId xmlns:p14="http://schemas.microsoft.com/office/powerpoint/2010/main" xmlns="" val="612817689"/>
+        <p14:creationId xmlns="" xmlns:p14="http://schemas.microsoft.com/office/powerpoint/2010/main" val="612817689"/>
       </p:ext>
     </p:extLst>
   </p:cSld>
@@ -4196,7 +4196,7 @@
     <a:masterClrMapping/>
   </p:clrMapOvr>
   <mc:AlternateContent xmlns:mc="http://schemas.openxmlformats.org/markup-compatibility/2006">
-    <mc:Choice xmlns:p14="http://schemas.microsoft.com/office/powerpoint/2010/main" xmlns="" Requires="p14">
+    <mc:Choice xmlns="" xmlns:p14="http://schemas.microsoft.com/office/powerpoint/2010/main" Requires="p14">
       <p:transition spd="med" p14:dur="700">
         <p:fade/>
       </p:transition>
@@ -4386,7 +4386,7 @@
     </p:spTree>
     <p:extLst>
       <p:ext uri="{BB962C8B-B14F-4D97-AF65-F5344CB8AC3E}">
-        <p14:creationId xmlns:p14="http://schemas.microsoft.com/office/powerpoint/2010/main" xmlns="" val="2185532848"/>
+        <p14:creationId xmlns="" xmlns:p14="http://schemas.microsoft.com/office/powerpoint/2010/main" val="2185532848"/>
       </p:ext>
     </p:extLst>
   </p:cSld>
@@ -4394,7 +4394,7 @@
     <a:masterClrMapping/>
   </p:clrMapOvr>
   <mc:AlternateContent xmlns:mc="http://schemas.openxmlformats.org/markup-compatibility/2006">
-    <mc:Choice xmlns:p14="http://schemas.microsoft.com/office/powerpoint/2010/main" xmlns="" Requires="p14">
+    <mc:Choice xmlns="" xmlns:p14="http://schemas.microsoft.com/office/powerpoint/2010/main" Requires="p14">
       <p:transition spd="med" p14:dur="700">
         <p:fade/>
       </p:transition>
@@ -5376,7 +5376,7 @@
     </p:spTree>
     <p:extLst>
       <p:ext uri="{BB962C8B-B14F-4D97-AF65-F5344CB8AC3E}">
-        <p14:creationId xmlns:p14="http://schemas.microsoft.com/office/powerpoint/2010/main" xmlns="" val="3234467543"/>
+        <p14:creationId xmlns="" xmlns:p14="http://schemas.microsoft.com/office/powerpoint/2010/main" val="3234467543"/>
       </p:ext>
     </p:extLst>
   </p:cSld>
@@ -5384,7 +5384,7 @@
     <a:masterClrMapping/>
   </p:clrMapOvr>
   <mc:AlternateContent xmlns:mc="http://schemas.openxmlformats.org/markup-compatibility/2006">
-    <mc:Choice xmlns:p14="http://schemas.microsoft.com/office/powerpoint/2010/main" xmlns="" Requires="p14">
+    <mc:Choice xmlns="" xmlns:p14="http://schemas.microsoft.com/office/powerpoint/2010/main" Requires="p14">
       <p:transition spd="med" p14:dur="700">
         <p:fade/>
       </p:transition>
@@ -5682,7 +5682,7 @@
     </p:spTree>
     <p:extLst>
       <p:ext uri="{BB962C8B-B14F-4D97-AF65-F5344CB8AC3E}">
-        <p14:creationId xmlns:p14="http://schemas.microsoft.com/office/powerpoint/2010/main" xmlns="" val="1239113715"/>
+        <p14:creationId xmlns="" xmlns:p14="http://schemas.microsoft.com/office/powerpoint/2010/main" val="1239113715"/>
       </p:ext>
     </p:extLst>
   </p:cSld>
@@ -5690,7 +5690,7 @@
     <a:masterClrMapping/>
   </p:clrMapOvr>
   <mc:AlternateContent xmlns:mc="http://schemas.openxmlformats.org/markup-compatibility/2006">
-    <mc:Choice xmlns:p14="http://schemas.microsoft.com/office/powerpoint/2010/main" xmlns="" Requires="p14">
+    <mc:Choice xmlns="" xmlns:p14="http://schemas.microsoft.com/office/powerpoint/2010/main" Requires="p14">
       <p:transition spd="med" p14:dur="700">
         <p:fade/>
       </p:transition>
@@ -6129,7 +6129,7 @@
     </p:spTree>
     <p:extLst>
       <p:ext uri="{BB962C8B-B14F-4D97-AF65-F5344CB8AC3E}">
-        <p14:creationId xmlns:p14="http://schemas.microsoft.com/office/powerpoint/2010/main" xmlns="" val="2138358032"/>
+        <p14:creationId xmlns="" xmlns:p14="http://schemas.microsoft.com/office/powerpoint/2010/main" val="2138358032"/>
       </p:ext>
     </p:extLst>
   </p:cSld>
@@ -6137,7 +6137,7 @@
     <a:masterClrMapping/>
   </p:clrMapOvr>
   <mc:AlternateContent xmlns:mc="http://schemas.openxmlformats.org/markup-compatibility/2006">
-    <mc:Choice xmlns:p14="http://schemas.microsoft.com/office/powerpoint/2010/main" xmlns="" Requires="p14">
+    <mc:Choice xmlns="" xmlns:p14="http://schemas.microsoft.com/office/powerpoint/2010/main" Requires="p14">
       <p:transition spd="med" p14:dur="700">
         <p:fade/>
       </p:transition>
@@ -6267,7 +6267,7 @@
     </p:spTree>
     <p:extLst>
       <p:ext uri="{BB962C8B-B14F-4D97-AF65-F5344CB8AC3E}">
-        <p14:creationId xmlns:p14="http://schemas.microsoft.com/office/powerpoint/2010/main" xmlns="" val="3163578801"/>
+        <p14:creationId xmlns="" xmlns:p14="http://schemas.microsoft.com/office/powerpoint/2010/main" val="3163578801"/>
       </p:ext>
     </p:extLst>
   </p:cSld>
@@ -6275,7 +6275,7 @@
     <a:masterClrMapping/>
   </p:clrMapOvr>
   <mc:AlternateContent xmlns:mc="http://schemas.openxmlformats.org/markup-compatibility/2006">
-    <mc:Choice xmlns:p14="http://schemas.microsoft.com/office/powerpoint/2010/main" xmlns="" Requires="p14">
+    <mc:Choice xmlns="" xmlns:p14="http://schemas.microsoft.com/office/powerpoint/2010/main" Requires="p14">
       <p:transition spd="med" p14:dur="700">
         <p:fade/>
       </p:transition>
@@ -6647,7 +6647,7 @@
     </p:spTree>
     <p:extLst>
       <p:ext uri="{BB962C8B-B14F-4D97-AF65-F5344CB8AC3E}">
-        <p14:creationId xmlns:p14="http://schemas.microsoft.com/office/powerpoint/2010/main" xmlns="" val="178381615"/>
+        <p14:creationId xmlns="" xmlns:p14="http://schemas.microsoft.com/office/powerpoint/2010/main" val="178381615"/>
       </p:ext>
     </p:extLst>
   </p:cSld>
@@ -6655,7 +6655,7 @@
     <a:masterClrMapping/>
   </p:clrMapOvr>
   <mc:AlternateContent xmlns:mc="http://schemas.openxmlformats.org/markup-compatibility/2006">
-    <mc:Choice xmlns:p14="http://schemas.microsoft.com/office/powerpoint/2010/main" xmlns="" Requires="p14">
+    <mc:Choice xmlns="" xmlns:p14="http://schemas.microsoft.com/office/powerpoint/2010/main" Requires="p14">
       <p:transition spd="med" p14:dur="700">
         <p:fade/>
       </p:transition>
@@ -7179,7 +7179,7 @@
     </p:spTree>
     <p:extLst>
       <p:ext uri="{BB962C8B-B14F-4D97-AF65-F5344CB8AC3E}">
-        <p14:creationId xmlns:p14="http://schemas.microsoft.com/office/powerpoint/2010/main" xmlns="" val="3518043182"/>
+        <p14:creationId xmlns="" xmlns:p14="http://schemas.microsoft.com/office/powerpoint/2010/main" val="3518043182"/>
       </p:ext>
     </p:extLst>
   </p:cSld>
@@ -7187,7 +7187,7 @@
     <a:masterClrMapping/>
   </p:clrMapOvr>
   <mc:AlternateContent xmlns:mc="http://schemas.openxmlformats.org/markup-compatibility/2006">
-    <mc:Choice xmlns:p14="http://schemas.microsoft.com/office/powerpoint/2010/main" xmlns="" Requires="p14">
+    <mc:Choice xmlns="" xmlns:p14="http://schemas.microsoft.com/office/powerpoint/2010/main" Requires="p14">
       <p:transition spd="med" p14:dur="700">
         <p:fade/>
       </p:transition>
@@ -7694,7 +7694,7 @@
     </p:spTree>
     <p:extLst>
       <p:ext uri="{BB962C8B-B14F-4D97-AF65-F5344CB8AC3E}">
-        <p14:creationId xmlns:p14="http://schemas.microsoft.com/office/powerpoint/2010/main" xmlns="" val="3973900260"/>
+        <p14:creationId xmlns="" xmlns:p14="http://schemas.microsoft.com/office/powerpoint/2010/main" val="3973900260"/>
       </p:ext>
     </p:extLst>
   </p:cSld>
@@ -7702,7 +7702,7 @@
     <a:masterClrMapping/>
   </p:clrMapOvr>
   <mc:AlternateContent xmlns:mc="http://schemas.openxmlformats.org/markup-compatibility/2006">
-    <mc:Choice xmlns:p14="http://schemas.microsoft.com/office/powerpoint/2010/main" xmlns="" Requires="p14">
+    <mc:Choice xmlns="" xmlns:p14="http://schemas.microsoft.com/office/powerpoint/2010/main" Requires="p14">
       <p:transition spd="med" p14:dur="700">
         <p:fade/>
       </p:transition>
@@ -8320,7 +8320,7 @@
     </p:spTree>
     <p:extLst>
       <p:ext uri="{BB962C8B-B14F-4D97-AF65-F5344CB8AC3E}">
-        <p14:creationId xmlns:p14="http://schemas.microsoft.com/office/powerpoint/2010/main" xmlns="" val="2054322300"/>
+        <p14:creationId xmlns="" xmlns:p14="http://schemas.microsoft.com/office/powerpoint/2010/main" val="2054322300"/>
       </p:ext>
     </p:extLst>
   </p:cSld>
@@ -8339,7 +8339,7 @@
     <p:sldLayoutId id="2147483659" r:id="rId11"/>
   </p:sldLayoutIdLst>
   <mc:AlternateContent xmlns:mc="http://schemas.openxmlformats.org/markup-compatibility/2006">
-    <mc:Choice xmlns:p14="http://schemas.microsoft.com/office/powerpoint/2010/main" xmlns="" Requires="p14">
+    <mc:Choice xmlns="" xmlns:p14="http://schemas.microsoft.com/office/powerpoint/2010/main" Requires="p14">
       <p:transition spd="med" p14:dur="700">
         <p:fade/>
       </p:transition>
@@ -8641,7 +8641,7 @@
   </p:txStyles>
   <p:extLst mod="1">
     <p:ext uri="{27BBF7A9-308A-43DC-89C8-2F10F3537804}">
-      <p15:sldGuideLst xmlns:p15="http://schemas.microsoft.com/office/powerpoint/2012/main" xmlns="">
+      <p15:sldGuideLst xmlns="" xmlns:p15="http://schemas.microsoft.com/office/powerpoint/2012/main">
         <p15:guide id="1" orient="horz" pos="2160" userDrawn="1">
           <p15:clr>
             <a:srgbClr val="F26B43"/>
@@ -8696,11 +8696,7 @@
             </a:r>
             <a:r>
               <a:rPr lang="zh-CN" altLang="en-US" smtClean="0"/>
-              <a:t>入门</a:t>
-            </a:r>
-            <a:r>
-              <a:rPr lang="zh-CN" altLang="en-US" smtClean="0"/>
-              <a:t>学习</a:t>
+              <a:t>入门学习</a:t>
             </a:r>
             <a:endParaRPr lang="zh-CN" dirty="0"/>
           </a:p>
@@ -8815,7 +8811,7 @@
     </p:spTree>
     <p:extLst>
       <p:ext uri="{BB962C8B-B14F-4D97-AF65-F5344CB8AC3E}">
-        <p14:creationId xmlns:p14="http://schemas.microsoft.com/office/powerpoint/2010/main" xmlns="" val="506761459"/>
+        <p14:creationId xmlns="" xmlns:p14="http://schemas.microsoft.com/office/powerpoint/2010/main" val="506761459"/>
       </p:ext>
     </p:extLst>
   </p:cSld>
@@ -8823,7 +8819,7 @@
     <a:masterClrMapping/>
   </p:clrMapOvr>
   <mc:AlternateContent xmlns:mc="http://schemas.openxmlformats.org/markup-compatibility/2006">
-    <mc:Choice xmlns:p14="http://schemas.microsoft.com/office/powerpoint/2010/main" xmlns="" Requires="p14">
+    <mc:Choice xmlns="" xmlns:p14="http://schemas.microsoft.com/office/powerpoint/2010/main" Requires="p14">
       <p:transition spd="med" p14:dur="700">
         <p:fade/>
       </p:transition>
@@ -9279,7 +9275,7 @@
     <a:masterClrMapping/>
   </p:clrMapOvr>
   <mc:AlternateContent xmlns:mc="http://schemas.openxmlformats.org/markup-compatibility/2006">
-    <mc:Choice xmlns:p14="http://schemas.microsoft.com/office/powerpoint/2010/main" xmlns="" Requires="p14">
+    <mc:Choice xmlns="" xmlns:p14="http://schemas.microsoft.com/office/powerpoint/2010/main" Requires="p14">
       <p:transition spd="med" p14:dur="700">
         <p:fade/>
       </p:transition>
@@ -9755,7 +9751,7 @@
     <a:masterClrMapping/>
   </p:clrMapOvr>
   <mc:AlternateContent xmlns:mc="http://schemas.openxmlformats.org/markup-compatibility/2006">
-    <mc:Choice xmlns:p14="http://schemas.microsoft.com/office/powerpoint/2010/main" xmlns="" Requires="p14">
+    <mc:Choice xmlns="" xmlns:p14="http://schemas.microsoft.com/office/powerpoint/2010/main" Requires="p14">
       <p:transition spd="med" p14:dur="700">
         <p:fade/>
       </p:transition>
@@ -10417,7 +10413,7 @@
     <a:masterClrMapping/>
   </p:clrMapOvr>
   <mc:AlternateContent xmlns:mc="http://schemas.openxmlformats.org/markup-compatibility/2006">
-    <mc:Choice xmlns:p14="http://schemas.microsoft.com/office/powerpoint/2010/main" xmlns="" Requires="p14">
+    <mc:Choice xmlns="" xmlns:p14="http://schemas.microsoft.com/office/powerpoint/2010/main" Requires="p14">
       <p:transition spd="med" p14:dur="700">
         <p:fade/>
       </p:transition>
@@ -11649,7 +11645,7 @@
     <a:masterClrMapping/>
   </p:clrMapOvr>
   <mc:AlternateContent xmlns:mc="http://schemas.openxmlformats.org/markup-compatibility/2006">
-    <mc:Choice xmlns:p14="http://schemas.microsoft.com/office/powerpoint/2010/main" xmlns="" Requires="p14">
+    <mc:Choice xmlns="" xmlns:p14="http://schemas.microsoft.com/office/powerpoint/2010/main" Requires="p14">
       <p:transition spd="med" p14:dur="700">
         <p:fade/>
       </p:transition>
@@ -12060,7 +12056,7 @@
     <a:masterClrMapping/>
   </p:clrMapOvr>
   <mc:AlternateContent xmlns:mc="http://schemas.openxmlformats.org/markup-compatibility/2006">
-    <mc:Choice xmlns:p14="http://schemas.microsoft.com/office/powerpoint/2010/main" xmlns="" Requires="p14">
+    <mc:Choice xmlns="" xmlns:p14="http://schemas.microsoft.com/office/powerpoint/2010/main" Requires="p14">
       <p:transition spd="med" p14:dur="700">
         <p:fade/>
       </p:transition>
@@ -12608,7 +12604,7 @@
     <a:masterClrMapping/>
   </p:clrMapOvr>
   <mc:AlternateContent xmlns:mc="http://schemas.openxmlformats.org/markup-compatibility/2006">
-    <mc:Choice xmlns:p14="http://schemas.microsoft.com/office/powerpoint/2010/main" xmlns="" Requires="p14">
+    <mc:Choice xmlns="" xmlns:p14="http://schemas.microsoft.com/office/powerpoint/2010/main" Requires="p14">
       <p:transition spd="med" p14:dur="700">
         <p:fade/>
       </p:transition>
@@ -13141,7 +13137,7 @@
     <a:masterClrMapping/>
   </p:clrMapOvr>
   <mc:AlternateContent xmlns:mc="http://schemas.openxmlformats.org/markup-compatibility/2006">
-    <mc:Choice xmlns:p14="http://schemas.microsoft.com/office/powerpoint/2010/main" xmlns="" Requires="p14">
+    <mc:Choice xmlns="" xmlns:p14="http://schemas.microsoft.com/office/powerpoint/2010/main" Requires="p14">
       <p:transition spd="med" p14:dur="700">
         <p:fade/>
       </p:transition>
@@ -13737,7 +13733,7 @@
     <a:masterClrMapping/>
   </p:clrMapOvr>
   <mc:AlternateContent xmlns:mc="http://schemas.openxmlformats.org/markup-compatibility/2006">
-    <mc:Choice xmlns:p14="http://schemas.microsoft.com/office/powerpoint/2010/main" xmlns="" Requires="p14">
+    <mc:Choice xmlns="" xmlns:p14="http://schemas.microsoft.com/office/powerpoint/2010/main" Requires="p14">
       <p:transition spd="med" p14:dur="700">
         <p:fade/>
       </p:transition>
@@ -14274,7 +14270,7 @@
     <a:masterClrMapping/>
   </p:clrMapOvr>
   <mc:AlternateContent xmlns:mc="http://schemas.openxmlformats.org/markup-compatibility/2006">
-    <mc:Choice xmlns:p14="http://schemas.microsoft.com/office/powerpoint/2010/main" xmlns="" Requires="p14">
+    <mc:Choice xmlns="" xmlns:p14="http://schemas.microsoft.com/office/powerpoint/2010/main" Requires="p14">
       <p:transition spd="med" p14:dur="700">
         <p:fade/>
       </p:transition>
@@ -14775,7 +14771,7 @@
     <a:masterClrMapping/>
   </p:clrMapOvr>
   <mc:AlternateContent xmlns:mc="http://schemas.openxmlformats.org/markup-compatibility/2006">
-    <mc:Choice xmlns:p14="http://schemas.microsoft.com/office/powerpoint/2010/main" xmlns="" Requires="p14">
+    <mc:Choice xmlns="" xmlns:p14="http://schemas.microsoft.com/office/powerpoint/2010/main" Requires="p14">
       <p:transition spd="med" p14:dur="700">
         <p:fade/>
       </p:transition>
@@ -15072,7 +15068,7 @@
     </p:spTree>
     <p:extLst>
       <p:ext uri="{BB962C8B-B14F-4D97-AF65-F5344CB8AC3E}">
-        <p14:creationId xmlns:p14="http://schemas.microsoft.com/office/powerpoint/2010/main" xmlns="" val="1720426387"/>
+        <p14:creationId xmlns="" xmlns:p14="http://schemas.microsoft.com/office/powerpoint/2010/main" val="1720426387"/>
       </p:ext>
     </p:extLst>
   </p:cSld>
@@ -15080,7 +15076,7 @@
     <a:masterClrMapping/>
   </p:clrMapOvr>
   <mc:AlternateContent xmlns:mc="http://schemas.openxmlformats.org/markup-compatibility/2006">
-    <mc:Choice xmlns:p14="http://schemas.microsoft.com/office/powerpoint/2010/main" xmlns="" Requires="p14">
+    <mc:Choice xmlns="" xmlns:p14="http://schemas.microsoft.com/office/powerpoint/2010/main" Requires="p14">
       <p:transition spd="med" p14:dur="700">
         <p:fade/>
       </p:transition>
@@ -15621,7 +15617,7 @@
     <a:masterClrMapping/>
   </p:clrMapOvr>
   <mc:AlternateContent xmlns:mc="http://schemas.openxmlformats.org/markup-compatibility/2006">
-    <mc:Choice xmlns:p14="http://schemas.microsoft.com/office/powerpoint/2010/main" xmlns="" Requires="p14">
+    <mc:Choice xmlns="" xmlns:p14="http://schemas.microsoft.com/office/powerpoint/2010/main" Requires="p14">
       <p:transition spd="med" p14:dur="700">
         <p:fade/>
       </p:transition>
@@ -16185,7 +16181,7 @@
     <a:masterClrMapping/>
   </p:clrMapOvr>
   <mc:AlternateContent xmlns:mc="http://schemas.openxmlformats.org/markup-compatibility/2006">
-    <mc:Choice xmlns:p14="http://schemas.microsoft.com/office/powerpoint/2010/main" xmlns="" Requires="p14">
+    <mc:Choice xmlns="" xmlns:p14="http://schemas.microsoft.com/office/powerpoint/2010/main" Requires="p14">
       <p:transition spd="med" p14:dur="700">
         <p:fade/>
       </p:transition>
@@ -16780,7 +16776,7 @@
     <a:masterClrMapping/>
   </p:clrMapOvr>
   <mc:AlternateContent xmlns:mc="http://schemas.openxmlformats.org/markup-compatibility/2006">
-    <mc:Choice xmlns:p14="http://schemas.microsoft.com/office/powerpoint/2010/main" xmlns="" Requires="p14">
+    <mc:Choice xmlns="" xmlns:p14="http://schemas.microsoft.com/office/powerpoint/2010/main" Requires="p14">
       <p:transition spd="med" p14:dur="700">
         <p:fade/>
       </p:transition>
@@ -17460,7 +17456,7 @@
     <a:masterClrMapping/>
   </p:clrMapOvr>
   <mc:AlternateContent xmlns:mc="http://schemas.openxmlformats.org/markup-compatibility/2006">
-    <mc:Choice xmlns:p14="http://schemas.microsoft.com/office/powerpoint/2010/main" xmlns="" Requires="p14">
+    <mc:Choice xmlns="" xmlns:p14="http://schemas.microsoft.com/office/powerpoint/2010/main" Requires="p14">
       <p:transition spd="med" p14:dur="700">
         <p:fade/>
       </p:transition>
@@ -18030,7 +18026,7 @@
     <a:masterClrMapping/>
   </p:clrMapOvr>
   <mc:AlternateContent xmlns:mc="http://schemas.openxmlformats.org/markup-compatibility/2006">
-    <mc:Choice xmlns:p14="http://schemas.microsoft.com/office/powerpoint/2010/main" xmlns="" Requires="p14">
+    <mc:Choice xmlns="" xmlns:p14="http://schemas.microsoft.com/office/powerpoint/2010/main" Requires="p14">
       <p:transition spd="med" p14:dur="700">
         <p:fade/>
       </p:transition>
@@ -18551,7 +18547,7 @@
     <a:masterClrMapping/>
   </p:clrMapOvr>
   <mc:AlternateContent xmlns:mc="http://schemas.openxmlformats.org/markup-compatibility/2006">
-    <mc:Choice xmlns:p14="http://schemas.microsoft.com/office/powerpoint/2010/main" xmlns="" Requires="p14">
+    <mc:Choice xmlns="" xmlns:p14="http://schemas.microsoft.com/office/powerpoint/2010/main" Requires="p14">
       <p:transition spd="med" p14:dur="700">
         <p:fade/>
       </p:transition>
@@ -19459,7 +19455,7 @@
     <a:masterClrMapping/>
   </p:clrMapOvr>
   <mc:AlternateContent xmlns:mc="http://schemas.openxmlformats.org/markup-compatibility/2006">
-    <mc:Choice xmlns:p14="http://schemas.microsoft.com/office/powerpoint/2010/main" xmlns="" Requires="p14">
+    <mc:Choice xmlns="" xmlns:p14="http://schemas.microsoft.com/office/powerpoint/2010/main" Requires="p14">
       <p:transition spd="med" p14:dur="700">
         <p:fade/>
       </p:transition>
@@ -20289,7 +20285,7 @@
     <a:masterClrMapping/>
   </p:clrMapOvr>
   <mc:AlternateContent xmlns:mc="http://schemas.openxmlformats.org/markup-compatibility/2006">
-    <mc:Choice xmlns:p14="http://schemas.microsoft.com/office/powerpoint/2010/main" xmlns="" Requires="p14">
+    <mc:Choice xmlns="" xmlns:p14="http://schemas.microsoft.com/office/powerpoint/2010/main" Requires="p14">
       <p:transition spd="med" p14:dur="700">
         <p:fade/>
       </p:transition>
@@ -21259,7 +21255,7 @@
     <a:masterClrMapping/>
   </p:clrMapOvr>
   <mc:AlternateContent xmlns:mc="http://schemas.openxmlformats.org/markup-compatibility/2006">
-    <mc:Choice xmlns:p14="http://schemas.microsoft.com/office/powerpoint/2010/main" xmlns="" Requires="p14">
+    <mc:Choice xmlns="" xmlns:p14="http://schemas.microsoft.com/office/powerpoint/2010/main" Requires="p14">
       <p:transition spd="med" p14:dur="700">
         <p:fade/>
       </p:transition>
@@ -21928,7 +21924,7 @@
     <a:masterClrMapping/>
   </p:clrMapOvr>
   <mc:AlternateContent xmlns:mc="http://schemas.openxmlformats.org/markup-compatibility/2006">
-    <mc:Choice xmlns:p14="http://schemas.microsoft.com/office/powerpoint/2010/main" xmlns="" Requires="p14">
+    <mc:Choice xmlns="" xmlns:p14="http://schemas.microsoft.com/office/powerpoint/2010/main" Requires="p14">
       <p:transition spd="med" p14:dur="700">
         <p:fade/>
       </p:transition>
@@ -22382,7 +22378,7 @@
     </p:spTree>
     <p:extLst>
       <p:ext uri="{BB962C8B-B14F-4D97-AF65-F5344CB8AC3E}">
-        <p14:creationId xmlns:p14="http://schemas.microsoft.com/office/powerpoint/2010/main" xmlns="" val="2237405988"/>
+        <p14:creationId xmlns="" xmlns:p14="http://schemas.microsoft.com/office/powerpoint/2010/main" val="2237405988"/>
       </p:ext>
     </p:extLst>
   </p:cSld>
@@ -22390,7 +22386,7 @@
     <a:masterClrMapping/>
   </p:clrMapOvr>
   <mc:AlternateContent xmlns:mc="http://schemas.openxmlformats.org/markup-compatibility/2006">
-    <mc:Choice xmlns:p14="http://schemas.microsoft.com/office/powerpoint/2010/main" xmlns="" Requires="p14">
+    <mc:Choice xmlns="" xmlns:p14="http://schemas.microsoft.com/office/powerpoint/2010/main" Requires="p14">
       <p:transition spd="med" p14:dur="700">
         <p:fade/>
       </p:transition>
@@ -23171,7 +23167,7 @@
     <a:masterClrMapping/>
   </p:clrMapOvr>
   <mc:AlternateContent xmlns:mc="http://schemas.openxmlformats.org/markup-compatibility/2006">
-    <mc:Choice xmlns:p14="http://schemas.microsoft.com/office/powerpoint/2010/main" xmlns="" Requires="p14">
+    <mc:Choice xmlns="" xmlns:p14="http://schemas.microsoft.com/office/powerpoint/2010/main" Requires="p14">
       <p:transition spd="med" p14:dur="700">
         <p:fade/>
       </p:transition>
@@ -23240,8 +23236,8 @@
         </p:nvSpPr>
         <p:spPr>
           <a:xfrm>
-            <a:off x="1751012" y="1828800"/>
-            <a:ext cx="9753600" cy="3785652"/>
+            <a:off x="1751012" y="1828801"/>
+            <a:ext cx="9753600" cy="4893647"/>
           </a:xfrm>
           <a:prstGeom prst="rect">
             <a:avLst/>
@@ -23299,11 +23295,59 @@
               <a:rPr lang="en-US" altLang="zh-CN" sz="2400" dirty="0" smtClean="0">
                 <a:hlinkClick r:id="rId3"/>
               </a:rPr>
-              <a:t>http://www.liaoxuefeng.com/wiki/0013739516305929606dd18361248578c67b8067c8c017b000</a:t>
+              <a:t>http://</a:t>
+            </a:r>
+            <a:r>
+              <a:rPr lang="en-US" altLang="zh-CN" sz="2400" dirty="0" smtClean="0">
+                <a:hlinkClick r:id="rId3"/>
+              </a:rPr>
+              <a:t>www.liaoxuefeng.com/wiki/0013739516305929606dd18361248578c67b8067c8c017b000</a:t>
             </a:r>
             <a:endParaRPr lang="en-US" altLang="zh-CN" sz="2400" dirty="0" smtClean="0"/>
           </a:p>
           <a:p>
+            <a:r>
+              <a:rPr lang="zh-CN" altLang="en-US" sz="2400" dirty="0" smtClean="0"/>
+              <a:t>网友整理的更详细的两篇</a:t>
+            </a:r>
+            <a:r>
+              <a:rPr lang="en-US" altLang="zh-CN" sz="2400" dirty="0" smtClean="0"/>
+              <a:t>PPT</a:t>
+            </a:r>
+            <a:r>
+              <a:rPr lang="zh-CN" altLang="en-US" sz="2400" dirty="0" smtClean="0"/>
+              <a:t>：</a:t>
+            </a:r>
+            <a:endParaRPr lang="en-US" altLang="zh-CN" sz="2400" dirty="0" smtClean="0"/>
+          </a:p>
+          <a:p>
+            <a:r>
+              <a:rPr lang="en-US" altLang="zh-CN" sz="2400" dirty="0" smtClean="0">
+                <a:hlinkClick r:id="rId4"/>
+              </a:rPr>
+              <a:t>http://wenku.baidu.com/link?url=AZsLWxfAIuPaR3A7xt08OtdYtVttxZjv_1Jm4rqlD_IXLzgqEdoYwhcWGswbf2KjM2ubnmOm1mSsS2VnyX-ICFS0li0bDmUhUctk_f9cGE</a:t>
+            </a:r>
+            <a:r>
+              <a:rPr lang="en-US" altLang="zh-CN" sz="2400" dirty="0" smtClean="0">
+                <a:hlinkClick r:id="rId4"/>
+              </a:rPr>
+              <a:t>_</a:t>
+            </a:r>
+            <a:endParaRPr lang="en-US" altLang="zh-CN" sz="2400" dirty="0" smtClean="0"/>
+          </a:p>
+          <a:p>
+            <a:r>
+              <a:rPr lang="en-US" altLang="zh-CN" sz="2400" dirty="0" smtClean="0">
+                <a:hlinkClick r:id="rId5"/>
+              </a:rPr>
+              <a:t>http://</a:t>
+            </a:r>
+            <a:r>
+              <a:rPr lang="en-US" altLang="zh-CN" sz="2400" dirty="0" smtClean="0">
+                <a:hlinkClick r:id="rId5"/>
+              </a:rPr>
+              <a:t>wenku.baidu.com/link?url=Z4rOiMDewumMTjIGyhb5ev9E7857fiO4CFEuo6Y8j-e6j0JZvovf-viT3bLAiQfP_867nQhBgvfven-5jKUaOTHc7WQVioYERi-lecBkw5u</a:t>
+            </a:r>
             <a:endParaRPr lang="en-US" altLang="zh-CN" sz="2400" dirty="0" smtClean="0"/>
           </a:p>
           <a:p>
@@ -23321,16 +23365,12 @@
             </a:r>
             <a:r>
               <a:rPr lang="en-US" altLang="zh-CN" sz="2400" dirty="0" smtClean="0"/>
-              <a:t> https://github.com/xami</a:t>
-            </a:r>
-          </a:p>
-          <a:p>
-            <a:endParaRPr lang="en-US" altLang="zh-CN" sz="2400" dirty="0" smtClean="0"/>
-          </a:p>
-          <a:p>
-            <a:endParaRPr lang="en-US" altLang="zh-CN" sz="2400" dirty="0" smtClean="0"/>
-          </a:p>
-          <a:p>
+              <a:t> https://</a:t>
+            </a:r>
+            <a:r>
+              <a:rPr lang="en-US" altLang="zh-CN" sz="2400" dirty="0" smtClean="0"/>
+              <a:t>github.com/xami</a:t>
+            </a:r>
             <a:endParaRPr lang="zh-CN" altLang="en-US" sz="2400" dirty="0"/>
           </a:p>
         </p:txBody>
@@ -23529,7 +23569,7 @@
     </p:spTree>
     <p:extLst>
       <p:ext uri="{BB962C8B-B14F-4D97-AF65-F5344CB8AC3E}">
-        <p14:creationId xmlns:p14="http://schemas.microsoft.com/office/powerpoint/2010/main" xmlns="" val="2237405988"/>
+        <p14:creationId xmlns="" xmlns:p14="http://schemas.microsoft.com/office/powerpoint/2010/main" val="2237405988"/>
       </p:ext>
     </p:extLst>
   </p:cSld>
@@ -23537,7 +23577,7 @@
     <a:masterClrMapping/>
   </p:clrMapOvr>
   <mc:AlternateContent xmlns:mc="http://schemas.openxmlformats.org/markup-compatibility/2006">
-    <mc:Choice xmlns:p14="http://schemas.microsoft.com/office/powerpoint/2010/main" xmlns="" Requires="p14">
+    <mc:Choice xmlns="" xmlns:p14="http://schemas.microsoft.com/office/powerpoint/2010/main" Requires="p14">
       <p:transition spd="med" p14:dur="700">
         <p:fade/>
       </p:transition>
@@ -24347,7 +24387,7 @@
     </p:spTree>
     <p:extLst>
       <p:ext uri="{BB962C8B-B14F-4D97-AF65-F5344CB8AC3E}">
-        <p14:creationId xmlns:p14="http://schemas.microsoft.com/office/powerpoint/2010/main" xmlns="" val="813896505"/>
+        <p14:creationId xmlns="" xmlns:p14="http://schemas.microsoft.com/office/powerpoint/2010/main" val="813896505"/>
       </p:ext>
     </p:extLst>
   </p:cSld>
@@ -24355,7 +24395,7 @@
     <a:masterClrMapping/>
   </p:clrMapOvr>
   <mc:AlternateContent xmlns:mc="http://schemas.openxmlformats.org/markup-compatibility/2006">
-    <mc:Choice xmlns:p14="http://schemas.microsoft.com/office/powerpoint/2010/main" xmlns="" Requires="p14">
+    <mc:Choice xmlns="" xmlns:p14="http://schemas.microsoft.com/office/powerpoint/2010/main" Requires="p14">
       <p:transition spd="med" p14:dur="700">
         <p:fade/>
       </p:transition>
@@ -25254,7 +25294,7 @@
     </p:spTree>
     <p:extLst>
       <p:ext uri="{BB962C8B-B14F-4D97-AF65-F5344CB8AC3E}">
-        <p14:creationId xmlns:p14="http://schemas.microsoft.com/office/powerpoint/2010/main" xmlns="" val="2237405988"/>
+        <p14:creationId xmlns="" xmlns:p14="http://schemas.microsoft.com/office/powerpoint/2010/main" val="2237405988"/>
       </p:ext>
     </p:extLst>
   </p:cSld>
@@ -25262,7 +25302,7 @@
     <a:overrideClrMapping bg1="lt1" tx1="dk1" bg2="lt2" tx2="dk2" accent1="accent1" accent2="accent2" accent3="accent3" accent4="accent4" accent5="accent5" accent6="accent6" hlink="hlink" folHlink="folHlink"/>
   </p:clrMapOvr>
   <mc:AlternateContent xmlns:mc="http://schemas.openxmlformats.org/markup-compatibility/2006">
-    <mc:Choice xmlns:p14="http://schemas.microsoft.com/office/powerpoint/2010/main" xmlns="" Requires="p14">
+    <mc:Choice xmlns="" xmlns:p14="http://schemas.microsoft.com/office/powerpoint/2010/main" Requires="p14">
       <p:transition spd="med" p14:dur="700">
         <p:fade/>
       </p:transition>
@@ -25661,7 +25701,7 @@
     </p:spTree>
     <p:extLst>
       <p:ext uri="{BB962C8B-B14F-4D97-AF65-F5344CB8AC3E}">
-        <p14:creationId xmlns:p14="http://schemas.microsoft.com/office/powerpoint/2010/main" xmlns="" val="2237405988"/>
+        <p14:creationId xmlns="" xmlns:p14="http://schemas.microsoft.com/office/powerpoint/2010/main" val="2237405988"/>
       </p:ext>
     </p:extLst>
   </p:cSld>
@@ -25669,7 +25709,7 @@
     <a:overrideClrMapping bg1="lt1" tx1="dk1" bg2="lt2" tx2="dk2" accent1="accent1" accent2="accent2" accent3="accent3" accent4="accent4" accent5="accent5" accent6="accent6" hlink="hlink" folHlink="folHlink"/>
   </p:clrMapOvr>
   <mc:AlternateContent xmlns:mc="http://schemas.openxmlformats.org/markup-compatibility/2006">
-    <mc:Choice xmlns:p14="http://schemas.microsoft.com/office/powerpoint/2010/main" xmlns="" Requires="p14">
+    <mc:Choice xmlns="" xmlns:p14="http://schemas.microsoft.com/office/powerpoint/2010/main" Requires="p14">
       <p:transition spd="med" p14:dur="700">
         <p:fade/>
       </p:transition>
@@ -26555,7 +26595,7 @@
     </p:spTree>
     <p:extLst>
       <p:ext uri="{BB962C8B-B14F-4D97-AF65-F5344CB8AC3E}">
-        <p14:creationId xmlns:p14="http://schemas.microsoft.com/office/powerpoint/2010/main" xmlns="" val="2237405988"/>
+        <p14:creationId xmlns="" xmlns:p14="http://schemas.microsoft.com/office/powerpoint/2010/main" val="2237405988"/>
       </p:ext>
     </p:extLst>
   </p:cSld>
@@ -26563,7 +26603,7 @@
     <a:masterClrMapping/>
   </p:clrMapOvr>
   <mc:AlternateContent xmlns:mc="http://schemas.openxmlformats.org/markup-compatibility/2006">
-    <mc:Choice xmlns:p14="http://schemas.microsoft.com/office/powerpoint/2010/main" xmlns="" Requires="p14">
+    <mc:Choice xmlns="" xmlns:p14="http://schemas.microsoft.com/office/powerpoint/2010/main" Requires="p14">
       <p:transition spd="med" p14:dur="700">
         <p:fade/>
       </p:transition>
@@ -26923,7 +26963,7 @@
     </p:spTree>
     <p:extLst>
       <p:ext uri="{BB962C8B-B14F-4D97-AF65-F5344CB8AC3E}">
-        <p14:creationId xmlns:p14="http://schemas.microsoft.com/office/powerpoint/2010/main" xmlns="" val="813896505"/>
+        <p14:creationId xmlns="" xmlns:p14="http://schemas.microsoft.com/office/powerpoint/2010/main" val="813896505"/>
       </p:ext>
     </p:extLst>
   </p:cSld>
@@ -26931,7 +26971,7 @@
     <a:masterClrMapping/>
   </p:clrMapOvr>
   <mc:AlternateContent xmlns:mc="http://schemas.openxmlformats.org/markup-compatibility/2006">
-    <mc:Choice xmlns:p14="http://schemas.microsoft.com/office/powerpoint/2010/main" xmlns="" Requires="p14">
+    <mc:Choice xmlns="" xmlns:p14="http://schemas.microsoft.com/office/powerpoint/2010/main" Requires="p14">
       <p:transition spd="med" p14:dur="700">
         <p:fade/>
       </p:transition>
@@ -27290,7 +27330,7 @@
     </p:spTree>
     <p:extLst>
       <p:ext uri="{BB962C8B-B14F-4D97-AF65-F5344CB8AC3E}">
-        <p14:creationId xmlns:p14="http://schemas.microsoft.com/office/powerpoint/2010/main" xmlns="" val="813896505"/>
+        <p14:creationId xmlns="" xmlns:p14="http://schemas.microsoft.com/office/powerpoint/2010/main" val="813896505"/>
       </p:ext>
     </p:extLst>
   </p:cSld>
@@ -27298,7 +27338,7 @@
     <a:masterClrMapping/>
   </p:clrMapOvr>
   <mc:AlternateContent xmlns:mc="http://schemas.openxmlformats.org/markup-compatibility/2006">
-    <mc:Choice xmlns:p14="http://schemas.microsoft.com/office/powerpoint/2010/main" xmlns="" Requires="p14">
+    <mc:Choice xmlns="" xmlns:p14="http://schemas.microsoft.com/office/powerpoint/2010/main" Requires="p14">
       <p:transition spd="med" p14:dur="700">
         <p:fade/>
       </p:transition>
@@ -27994,21 +28034,6 @@
 </file>
 
 <file path=customXml/item1.xml><?xml version="1.0" encoding="utf-8"?>
-<p:properties xmlns:p="http://schemas.microsoft.com/office/2006/metadata/properties" xmlns:xsi="http://www.w3.org/2001/XMLSchema-instance" xmlns:pc="http://schemas.microsoft.com/office/infopath/2007/PartnerControls">
-  <documentManagement/>
-</p:properties>
-</file>
-
-<file path=customXml/item2.xml><?xml version="1.0" encoding="utf-8"?>
-<?mso-contentType ?>
-<FormTemplates xmlns="http://schemas.microsoft.com/sharepoint/v3/contenttype/forms">
-  <Display>DocumentLibraryForm</Display>
-  <Edit>DocumentLibraryForm</Edit>
-  <New>DocumentLibraryForm</New>
-</FormTemplates>
-</file>
-
-<file path=customXml/item3.xml><?xml version="1.0" encoding="utf-8"?>
 <ct:contentTypeSchema xmlns:ct="http://schemas.microsoft.com/office/2006/metadata/contentType" xmlns:ma="http://schemas.microsoft.com/office/2006/metadata/properties/metaAttributes" ct:_="" ma:_="" ma:contentTypeName="Document" ma:contentTypeID="0x0101007C1D5F340F01F94FA2FD29A5E6DC872E" ma:contentTypeVersion="0" ma:contentTypeDescription="Create a new document." ma:contentTypeScope="" ma:versionID="f583bd66513a361a730282b6a794e352">
   <xsd:schema xmlns:xsd="http://www.w3.org/2001/XMLSchema" xmlns:xs="http://www.w3.org/2001/XMLSchema" xmlns:p="http://schemas.microsoft.com/office/2006/metadata/properties" targetNamespace="http://schemas.microsoft.com/office/2006/metadata/properties" ma:root="true" ma:fieldsID="6841151cf538834e171094e4faaf2d73">
     <xsd:element name="properties">
@@ -28122,10 +28147,32 @@
 </ct:contentTypeSchema>
 </file>
 
+<file path=customXml/item2.xml><?xml version="1.0" encoding="utf-8"?>
+<?mso-contentType ?>
+<FormTemplates xmlns="http://schemas.microsoft.com/sharepoint/v3/contenttype/forms">
+  <Display>DocumentLibraryForm</Display>
+  <Edit>DocumentLibraryForm</Edit>
+  <New>DocumentLibraryForm</New>
+</FormTemplates>
+</file>
+
+<file path=customXml/item3.xml><?xml version="1.0" encoding="utf-8"?>
+<p:properties xmlns:p="http://schemas.microsoft.com/office/2006/metadata/properties" xmlns:xsi="http://www.w3.org/2001/XMLSchema-instance" xmlns:pc="http://schemas.microsoft.com/office/infopath/2007/PartnerControls">
+  <documentManagement/>
+</p:properties>
+</file>
+
 <file path=customXml/itemProps1.xml><?xml version="1.0" encoding="utf-8"?>
-<ds:datastoreItem xmlns:ds="http://schemas.openxmlformats.org/officeDocument/2006/customXml" ds:itemID="{20B895F5-7F43-4073-919C-BA6E32AC0200}">
+<ds:datastoreItem xmlns:ds="http://schemas.openxmlformats.org/officeDocument/2006/customXml" ds:itemID="{F28882EF-8483-452E-ADFB-02067D56F72B}">
   <ds:schemaRefs>
+    <ds:schemaRef ds:uri="http://schemas.microsoft.com/office/2006/metadata/contentType"/>
+    <ds:schemaRef ds:uri="http://schemas.microsoft.com/office/2006/metadata/properties/metaAttributes"/>
+    <ds:schemaRef ds:uri="http://www.w3.org/2001/XMLSchema"/>
     <ds:schemaRef ds:uri="http://schemas.microsoft.com/office/2006/metadata/properties"/>
+    <ds:schemaRef ds:uri="http://schemas.openxmlformats.org/package/2006/metadata/core-properties"/>
+    <ds:schemaRef ds:uri="http://purl.org/dc/elements/1.1/"/>
+    <ds:schemaRef ds:uri="http://purl.org/dc/terms/"/>
+    <ds:schemaRef ds:uri="http://schemas.microsoft.com/internal/obd"/>
     <ds:schemaRef ds:uri="http://schemas.microsoft.com/office/infopath/2007/PartnerControls"/>
   </ds:schemaRefs>
 </ds:datastoreItem>
@@ -28140,16 +28187,9 @@
 </file>
 
 <file path=customXml/itemProps3.xml><?xml version="1.0" encoding="utf-8"?>
-<ds:datastoreItem xmlns:ds="http://schemas.openxmlformats.org/officeDocument/2006/customXml" ds:itemID="{F28882EF-8483-452E-ADFB-02067D56F72B}">
+<ds:datastoreItem xmlns:ds="http://schemas.openxmlformats.org/officeDocument/2006/customXml" ds:itemID="{20B895F5-7F43-4073-919C-BA6E32AC0200}">
   <ds:schemaRefs>
-    <ds:schemaRef ds:uri="http://schemas.microsoft.com/office/2006/metadata/contentType"/>
-    <ds:schemaRef ds:uri="http://schemas.microsoft.com/office/2006/metadata/properties/metaAttributes"/>
-    <ds:schemaRef ds:uri="http://www.w3.org/2001/XMLSchema"/>
     <ds:schemaRef ds:uri="http://schemas.microsoft.com/office/2006/metadata/properties"/>
-    <ds:schemaRef ds:uri="http://schemas.openxmlformats.org/package/2006/metadata/core-properties"/>
-    <ds:schemaRef ds:uri="http://purl.org/dc/elements/1.1/"/>
-    <ds:schemaRef ds:uri="http://purl.org/dc/terms/"/>
-    <ds:schemaRef ds:uri="http://schemas.microsoft.com/internal/obd"/>
     <ds:schemaRef ds:uri="http://schemas.microsoft.com/office/infopath/2007/PartnerControls"/>
   </ds:schemaRefs>
 </ds:datastoreItem>
